--- a/Lectures/CITS5503Revision.pptx
+++ b/Lectures/CITS5503Revision.pptx
@@ -1408,7 +1408,7 @@
             <a:fld id="{B61BEF0D-F0BB-DE4B-95CE-6DB70DBA9567}" type="datetimeFigureOut">
               <a:rPr lang="en-US" smtClean="0"/>
               <a:pPr/>
-              <a:t>10/17/18</a:t>
+              <a:t>7/16/21</a:t>
             </a:fld>
             <a:endParaRPr lang="en-US" dirty="0"/>
           </a:p>
@@ -1608,7 +1608,7 @@
             <a:fld id="{B61BEF0D-F0BB-DE4B-95CE-6DB70DBA9567}" type="datetimeFigureOut">
               <a:rPr lang="en-US" smtClean="0"/>
               <a:pPr/>
-              <a:t>10/17/18</a:t>
+              <a:t>7/16/21</a:t>
             </a:fld>
             <a:endParaRPr lang="en-US" dirty="0"/>
           </a:p>
@@ -1823,7 +1823,7 @@
             <a:fld id="{B61BEF0D-F0BB-DE4B-95CE-6DB70DBA9567}" type="datetimeFigureOut">
               <a:rPr lang="en-US" smtClean="0"/>
               <a:pPr/>
-              <a:t>10/17/18</a:t>
+              <a:t>7/16/21</a:t>
             </a:fld>
             <a:endParaRPr lang="en-US" dirty="0"/>
           </a:p>
@@ -2363,7 +2363,7 @@
             <a:fld id="{B61BEF0D-F0BB-DE4B-95CE-6DB70DBA9567}" type="datetimeFigureOut">
               <a:rPr lang="en-US" smtClean="0"/>
               <a:pPr/>
-              <a:t>10/17/18</a:t>
+              <a:t>7/16/21</a:t>
             </a:fld>
             <a:endParaRPr lang="en-US" dirty="0"/>
           </a:p>
@@ -2641,7 +2641,7 @@
             <a:fld id="{B61BEF0D-F0BB-DE4B-95CE-6DB70DBA9567}" type="datetimeFigureOut">
               <a:rPr lang="en-US" smtClean="0"/>
               <a:pPr/>
-              <a:t>10/17/18</a:t>
+              <a:t>7/16/21</a:t>
             </a:fld>
             <a:endParaRPr lang="en-US" dirty="0"/>
           </a:p>
@@ -2913,7 +2913,7 @@
             <a:fld id="{B61BEF0D-F0BB-DE4B-95CE-6DB70DBA9567}" type="datetimeFigureOut">
               <a:rPr lang="en-US" smtClean="0"/>
               <a:pPr/>
-              <a:t>10/17/18</a:t>
+              <a:t>7/16/21</a:t>
             </a:fld>
             <a:endParaRPr lang="en-US" dirty="0"/>
           </a:p>
@@ -3332,7 +3332,7 @@
             <a:fld id="{B61BEF0D-F0BB-DE4B-95CE-6DB70DBA9567}" type="datetimeFigureOut">
               <a:rPr lang="en-US" smtClean="0"/>
               <a:pPr/>
-              <a:t>10/17/18</a:t>
+              <a:t>7/16/21</a:t>
             </a:fld>
             <a:endParaRPr lang="en-US" dirty="0"/>
           </a:p>
@@ -3480,7 +3480,7 @@
             <a:fld id="{B61BEF0D-F0BB-DE4B-95CE-6DB70DBA9567}" type="datetimeFigureOut">
               <a:rPr lang="en-US" smtClean="0"/>
               <a:pPr/>
-              <a:t>10/17/18</a:t>
+              <a:t>7/16/21</a:t>
             </a:fld>
             <a:endParaRPr lang="en-US" dirty="0"/>
           </a:p>
@@ -3600,7 +3600,7 @@
             <a:fld id="{B61BEF0D-F0BB-DE4B-95CE-6DB70DBA9567}" type="datetimeFigureOut">
               <a:rPr lang="en-US" smtClean="0"/>
               <a:pPr/>
-              <a:t>10/17/18</a:t>
+              <a:t>7/16/21</a:t>
             </a:fld>
             <a:endParaRPr lang="en-US" dirty="0"/>
           </a:p>
@@ -3918,7 +3918,7 @@
             <a:fld id="{B61BEF0D-F0BB-DE4B-95CE-6DB70DBA9567}" type="datetimeFigureOut">
               <a:rPr lang="en-US" smtClean="0"/>
               <a:pPr/>
-              <a:t>10/17/18</a:t>
+              <a:t>7/16/21</a:t>
             </a:fld>
             <a:endParaRPr lang="en-US" dirty="0"/>
           </a:p>
@@ -4213,7 +4213,7 @@
             <a:fld id="{B61BEF0D-F0BB-DE4B-95CE-6DB70DBA9567}" type="datetimeFigureOut">
               <a:rPr lang="en-US" smtClean="0"/>
               <a:pPr/>
-              <a:t>10/17/18</a:t>
+              <a:t>7/16/21</a:t>
             </a:fld>
             <a:endParaRPr lang="en-US" dirty="0"/>
           </a:p>
@@ -4461,7 +4461,7 @@
             <a:fld id="{B61BEF0D-F0BB-DE4B-95CE-6DB70DBA9567}" type="datetimeFigureOut">
               <a:rPr lang="en-US" smtClean="0"/>
               <a:pPr/>
-              <a:t>10/17/18</a:t>
+              <a:t>7/16/21</a:t>
             </a:fld>
             <a:endParaRPr lang="en-US" dirty="0"/>
           </a:p>
@@ -5171,16 +5171,13 @@
           <a:p>
             <a:r>
               <a:rPr lang="en-US" sz="1800" dirty="0"/>
-              <a:t>CITS5503 </a:t>
+              <a:t>CITS5503 Camilo </a:t>
             </a:r>
             <a:r>
               <a:rPr lang="en-US" sz="1800" dirty="0" err="1"/>
-              <a:t>Dr</a:t>
-            </a:r>
-            <a:r>
-              <a:rPr lang="en-US" sz="1800" dirty="0"/>
-              <a:t> David Glance</a:t>
-            </a:r>
+              <a:t>Pestana</a:t>
+            </a:r>
+            <a:endParaRPr lang="en-US" sz="1800" dirty="0"/>
           </a:p>
         </p:txBody>
       </p:sp>
